--- a/figures/figures.pptx
+++ b/figures/figures.pptx
@@ -6,6 +6,7 @@
   </p:sldMasterIdLst>
   <p:sldIdLst>
     <p:sldId id="256" r:id="rId2"/>
+    <p:sldId id="257" r:id="rId3"/>
   </p:sldIdLst>
   <p:sldSz cx="12192000" cy="6858000"/>
   <p:notesSz cx="6858000" cy="9144000"/>
@@ -123,6 +124,98 @@
 </p:presentation>
 </file>
 
+<file path=ppt/revisionInfo.xml><?xml version="1.0" encoding="utf-8"?>
+<p1510:revInfo xmlns:a="http://schemas.openxmlformats.org/drawingml/2006/main" xmlns:r="http://schemas.openxmlformats.org/officeDocument/2006/relationships" xmlns:p1510="http://schemas.microsoft.com/office/powerpoint/2015/10/main">
+  <p1510:revLst>
+    <p1510:client id="{993C6A00-8D1A-4A46-858C-0AD2467778FD}" v="5" dt="2025-03-04T22:03:30.921"/>
+  </p1510:revLst>
+</p1510:revInfo>
+</file>
+
+<file path=ppt/changesInfos/changesInfo1.xml><?xml version="1.0" encoding="utf-8"?>
+<pc:chgInfo xmlns:a="http://schemas.openxmlformats.org/drawingml/2006/main" xmlns:r="http://schemas.openxmlformats.org/officeDocument/2006/relationships" xmlns:ac="http://schemas.microsoft.com/office/drawing/2013/main/command" xmlns:pc="http://schemas.microsoft.com/office/powerpoint/2013/main/command">
+  <pc:docChgLst>
+    <pc:chgData name="Allison Binley" userId="53aff1208ed7b64f" providerId="LiveId" clId="{993C6A00-8D1A-4A46-858C-0AD2467778FD}"/>
+    <pc:docChg chg="custSel addSld modSld">
+      <pc:chgData name="Allison Binley" userId="53aff1208ed7b64f" providerId="LiveId" clId="{993C6A00-8D1A-4A46-858C-0AD2467778FD}" dt="2025-03-04T22:03:30.921" v="4"/>
+      <pc:docMkLst>
+        <pc:docMk/>
+      </pc:docMkLst>
+      <pc:sldChg chg="addSp modSp">
+        <pc:chgData name="Allison Binley" userId="53aff1208ed7b64f" providerId="LiveId" clId="{993C6A00-8D1A-4A46-858C-0AD2467778FD}" dt="2025-03-04T22:02:57.674" v="0"/>
+        <pc:sldMkLst>
+          <pc:docMk/>
+          <pc:sldMk cId="2769060172" sldId="256"/>
+        </pc:sldMkLst>
+        <pc:spChg chg="add mod">
+          <ac:chgData name="Allison Binley" userId="53aff1208ed7b64f" providerId="LiveId" clId="{993C6A00-8D1A-4A46-858C-0AD2467778FD}" dt="2025-03-04T22:02:57.674" v="0"/>
+          <ac:spMkLst>
+            <pc:docMk/>
+            <pc:sldMk cId="2769060172" sldId="256"/>
+            <ac:spMk id="2" creationId="{619A7FAC-B8BD-156B-75E0-6FBF118D236A}"/>
+          </ac:spMkLst>
+        </pc:spChg>
+      </pc:sldChg>
+      <pc:sldChg chg="addSp delSp modSp new mod">
+        <pc:chgData name="Allison Binley" userId="53aff1208ed7b64f" providerId="LiveId" clId="{993C6A00-8D1A-4A46-858C-0AD2467778FD}" dt="2025-03-04T22:03:30.921" v="4"/>
+        <pc:sldMkLst>
+          <pc:docMk/>
+          <pc:sldMk cId="143394622" sldId="257"/>
+        </pc:sldMkLst>
+        <pc:spChg chg="del">
+          <ac:chgData name="Allison Binley" userId="53aff1208ed7b64f" providerId="LiveId" clId="{993C6A00-8D1A-4A46-858C-0AD2467778FD}" dt="2025-03-04T22:03:19.001" v="2" actId="478"/>
+          <ac:spMkLst>
+            <pc:docMk/>
+            <pc:sldMk cId="143394622" sldId="257"/>
+            <ac:spMk id="2" creationId="{EAA9572F-71EB-97EE-020C-A77FBC33498F}"/>
+          </ac:spMkLst>
+        </pc:spChg>
+        <pc:spChg chg="del">
+          <ac:chgData name="Allison Binley" userId="53aff1208ed7b64f" providerId="LiveId" clId="{993C6A00-8D1A-4A46-858C-0AD2467778FD}" dt="2025-03-04T22:03:19.986" v="3" actId="478"/>
+          <ac:spMkLst>
+            <pc:docMk/>
+            <pc:sldMk cId="143394622" sldId="257"/>
+            <ac:spMk id="3" creationId="{D73AF7E7-B4B5-F2AC-C1CF-D102910BDC45}"/>
+          </ac:spMkLst>
+        </pc:spChg>
+        <pc:spChg chg="add mod">
+          <ac:chgData name="Allison Binley" userId="53aff1208ed7b64f" providerId="LiveId" clId="{993C6A00-8D1A-4A46-858C-0AD2467778FD}" dt="2025-03-04T22:03:30.921" v="4"/>
+          <ac:spMkLst>
+            <pc:docMk/>
+            <pc:sldMk cId="143394622" sldId="257"/>
+            <ac:spMk id="6" creationId="{F08596F9-A59C-5712-CD0D-EEA11DB21671}"/>
+          </ac:spMkLst>
+        </pc:spChg>
+        <pc:spChg chg="add mod">
+          <ac:chgData name="Allison Binley" userId="53aff1208ed7b64f" providerId="LiveId" clId="{993C6A00-8D1A-4A46-858C-0AD2467778FD}" dt="2025-03-04T22:03:30.921" v="4"/>
+          <ac:spMkLst>
+            <pc:docMk/>
+            <pc:sldMk cId="143394622" sldId="257"/>
+            <ac:spMk id="7" creationId="{6E9D9B07-A144-D7EF-B5EC-7AFD64B8FAA4}"/>
+          </ac:spMkLst>
+        </pc:spChg>
+        <pc:picChg chg="add mod">
+          <ac:chgData name="Allison Binley" userId="53aff1208ed7b64f" providerId="LiveId" clId="{993C6A00-8D1A-4A46-858C-0AD2467778FD}" dt="2025-03-04T22:03:30.921" v="4"/>
+          <ac:picMkLst>
+            <pc:docMk/>
+            <pc:sldMk cId="143394622" sldId="257"/>
+            <ac:picMk id="4" creationId="{6E7EC796-383C-E91E-6314-D51F95A94AD2}"/>
+          </ac:picMkLst>
+        </pc:picChg>
+        <pc:picChg chg="add mod">
+          <ac:chgData name="Allison Binley" userId="53aff1208ed7b64f" providerId="LiveId" clId="{993C6A00-8D1A-4A46-858C-0AD2467778FD}" dt="2025-03-04T22:03:30.921" v="4"/>
+          <ac:picMkLst>
+            <pc:docMk/>
+            <pc:sldMk cId="143394622" sldId="257"/>
+            <ac:picMk id="5" creationId="{233D66CD-5135-2314-CB7E-2A6B3D3FF6B5}"/>
+          </ac:picMkLst>
+        </pc:picChg>
+      </pc:sldChg>
+    </pc:docChg>
+  </pc:docChgLst>
+</pc:chgInfo>
+</file>
+
 <file path=ppt/slideLayouts/slideLayout1.xml><?xml version="1.0" encoding="utf-8"?>
 <p:sldLayout xmlns:a="http://schemas.openxmlformats.org/drawingml/2006/main" xmlns:r="http://schemas.openxmlformats.org/officeDocument/2006/relationships" xmlns:p="http://schemas.openxmlformats.org/presentationml/2006/main" type="title" preserve="1">
   <p:cSld name="Title Slide">
@@ -272,7 +365,7 @@
           <a:p>
             <a:fld id="{1C388655-0FDE-4AB2-A1F2-546A4DB4CF04}" type="datetimeFigureOut">
               <a:rPr lang="en-CA" smtClean="0"/>
-              <a:t>2025-01-14</a:t>
+              <a:t>2025-03-04</a:t>
             </a:fld>
             <a:endParaRPr lang="en-CA"/>
           </a:p>
@@ -472,7 +565,7 @@
           <a:p>
             <a:fld id="{1C388655-0FDE-4AB2-A1F2-546A4DB4CF04}" type="datetimeFigureOut">
               <a:rPr lang="en-CA" smtClean="0"/>
-              <a:t>2025-01-14</a:t>
+              <a:t>2025-03-04</a:t>
             </a:fld>
             <a:endParaRPr lang="en-CA"/>
           </a:p>
@@ -682,7 +775,7 @@
           <a:p>
             <a:fld id="{1C388655-0FDE-4AB2-A1F2-546A4DB4CF04}" type="datetimeFigureOut">
               <a:rPr lang="en-CA" smtClean="0"/>
-              <a:t>2025-01-14</a:t>
+              <a:t>2025-03-04</a:t>
             </a:fld>
             <a:endParaRPr lang="en-CA"/>
           </a:p>
@@ -882,7 +975,7 @@
           <a:p>
             <a:fld id="{1C388655-0FDE-4AB2-A1F2-546A4DB4CF04}" type="datetimeFigureOut">
               <a:rPr lang="en-CA" smtClean="0"/>
-              <a:t>2025-01-14</a:t>
+              <a:t>2025-03-04</a:t>
             </a:fld>
             <a:endParaRPr lang="en-CA"/>
           </a:p>
@@ -1158,7 +1251,7 @@
           <a:p>
             <a:fld id="{1C388655-0FDE-4AB2-A1F2-546A4DB4CF04}" type="datetimeFigureOut">
               <a:rPr lang="en-CA" smtClean="0"/>
-              <a:t>2025-01-14</a:t>
+              <a:t>2025-03-04</a:t>
             </a:fld>
             <a:endParaRPr lang="en-CA"/>
           </a:p>
@@ -1426,7 +1519,7 @@
           <a:p>
             <a:fld id="{1C388655-0FDE-4AB2-A1F2-546A4DB4CF04}" type="datetimeFigureOut">
               <a:rPr lang="en-CA" smtClean="0"/>
-              <a:t>2025-01-14</a:t>
+              <a:t>2025-03-04</a:t>
             </a:fld>
             <a:endParaRPr lang="en-CA"/>
           </a:p>
@@ -1841,7 +1934,7 @@
           <a:p>
             <a:fld id="{1C388655-0FDE-4AB2-A1F2-546A4DB4CF04}" type="datetimeFigureOut">
               <a:rPr lang="en-CA" smtClean="0"/>
-              <a:t>2025-01-14</a:t>
+              <a:t>2025-03-04</a:t>
             </a:fld>
             <a:endParaRPr lang="en-CA"/>
           </a:p>
@@ -1983,7 +2076,7 @@
           <a:p>
             <a:fld id="{1C388655-0FDE-4AB2-A1F2-546A4DB4CF04}" type="datetimeFigureOut">
               <a:rPr lang="en-CA" smtClean="0"/>
-              <a:t>2025-01-14</a:t>
+              <a:t>2025-03-04</a:t>
             </a:fld>
             <a:endParaRPr lang="en-CA"/>
           </a:p>
@@ -2096,7 +2189,7 @@
           <a:p>
             <a:fld id="{1C388655-0FDE-4AB2-A1F2-546A4DB4CF04}" type="datetimeFigureOut">
               <a:rPr lang="en-CA" smtClean="0"/>
-              <a:t>2025-01-14</a:t>
+              <a:t>2025-03-04</a:t>
             </a:fld>
             <a:endParaRPr lang="en-CA"/>
           </a:p>
@@ -2409,7 +2502,7 @@
           <a:p>
             <a:fld id="{1C388655-0FDE-4AB2-A1F2-546A4DB4CF04}" type="datetimeFigureOut">
               <a:rPr lang="en-CA" smtClean="0"/>
-              <a:t>2025-01-14</a:t>
+              <a:t>2025-03-04</a:t>
             </a:fld>
             <a:endParaRPr lang="en-CA"/>
           </a:p>
@@ -2698,7 +2791,7 @@
           <a:p>
             <a:fld id="{1C388655-0FDE-4AB2-A1F2-546A4DB4CF04}" type="datetimeFigureOut">
               <a:rPr lang="en-CA" smtClean="0"/>
-              <a:t>2025-01-14</a:t>
+              <a:t>2025-03-04</a:t>
             </a:fld>
             <a:endParaRPr lang="en-CA"/>
           </a:p>
@@ -2941,7 +3034,7 @@
           <a:p>
             <a:fld id="{1C388655-0FDE-4AB2-A1F2-546A4DB4CF04}" type="datetimeFigureOut">
               <a:rPr lang="en-CA" smtClean="0"/>
-              <a:t>2025-01-14</a:t>
+              <a:t>2025-03-04</a:t>
             </a:fld>
             <a:endParaRPr lang="en-CA"/>
           </a:p>
@@ -4969,6 +5062,178 @@
     <p:extLst>
       <p:ext uri="{BB962C8B-B14F-4D97-AF65-F5344CB8AC3E}">
         <p14:creationId xmlns:p14="http://schemas.microsoft.com/office/powerpoint/2010/main" val="2769060172"/>
+      </p:ext>
+    </p:extLst>
+  </p:cSld>
+  <p:clrMapOvr>
+    <a:masterClrMapping/>
+  </p:clrMapOvr>
+</p:sld>
+</file>
+
+<file path=ppt/slides/slide2.xml><?xml version="1.0" encoding="utf-8"?>
+<p:sld xmlns:a="http://schemas.openxmlformats.org/drawingml/2006/main" xmlns:r="http://schemas.openxmlformats.org/officeDocument/2006/relationships" xmlns:p="http://schemas.openxmlformats.org/presentationml/2006/main">
+  <p:cSld>
+    <p:spTree>
+      <p:nvGrpSpPr>
+        <p:cNvPr id="1" name=""/>
+        <p:cNvGrpSpPr/>
+        <p:nvPr/>
+      </p:nvGrpSpPr>
+      <p:grpSpPr>
+        <a:xfrm>
+          <a:off x="0" y="0"/>
+          <a:ext cx="0" cy="0"/>
+          <a:chOff x="0" y="0"/>
+          <a:chExt cx="0" cy="0"/>
+        </a:xfrm>
+      </p:grpSpPr>
+      <p:pic>
+        <p:nvPicPr>
+          <p:cNvPr id="4" name="Picture 3" descr="A map of a map with numbers and symbols&#10;&#10;AI-generated content may be incorrect.">
+            <a:extLst>
+              <a:ext uri="{FF2B5EF4-FFF2-40B4-BE49-F238E27FC236}">
+                <a16:creationId xmlns:a16="http://schemas.microsoft.com/office/drawing/2014/main" id="{6E7EC796-383C-E91E-6314-D51F95A94AD2}"/>
+              </a:ext>
+            </a:extLst>
+          </p:cNvPr>
+          <p:cNvPicPr>
+            <a:picLocks noChangeAspect="1"/>
+          </p:cNvPicPr>
+          <p:nvPr/>
+        </p:nvPicPr>
+        <p:blipFill>
+          <a:blip r:embed="rId2">
+            <a:extLst>
+              <a:ext uri="{28A0092B-C50C-407E-A947-70E740481C1C}">
+                <a14:useLocalDpi xmlns:a14="http://schemas.microsoft.com/office/drawing/2010/main" val="0"/>
+              </a:ext>
+            </a:extLst>
+          </a:blip>
+          <a:stretch>
+            <a:fillRect/>
+          </a:stretch>
+        </p:blipFill>
+        <p:spPr>
+          <a:xfrm>
+            <a:off x="0" y="772154"/>
+            <a:ext cx="7315215" cy="5486411"/>
+          </a:xfrm>
+          <a:prstGeom prst="rect">
+            <a:avLst/>
+          </a:prstGeom>
+        </p:spPr>
+      </p:pic>
+      <p:pic>
+        <p:nvPicPr>
+          <p:cNvPr id="5" name="Picture 4" descr="A graph of energy and energy&#10;&#10;AI-generated content may be incorrect.">
+            <a:extLst>
+              <a:ext uri="{FF2B5EF4-FFF2-40B4-BE49-F238E27FC236}">
+                <a16:creationId xmlns:a16="http://schemas.microsoft.com/office/drawing/2014/main" id="{233D66CD-5135-2314-CB7E-2A6B3D3FF6B5}"/>
+              </a:ext>
+            </a:extLst>
+          </p:cNvPr>
+          <p:cNvPicPr>
+            <a:picLocks noChangeAspect="1"/>
+          </p:cNvPicPr>
+          <p:nvPr/>
+        </p:nvPicPr>
+        <p:blipFill>
+          <a:blip r:embed="rId3">
+            <a:extLst>
+              <a:ext uri="{28A0092B-C50C-407E-A947-70E740481C1C}">
+                <a14:useLocalDpi xmlns:a14="http://schemas.microsoft.com/office/drawing/2010/main" val="0"/>
+              </a:ext>
+            </a:extLst>
+          </a:blip>
+          <a:stretch>
+            <a:fillRect/>
+          </a:stretch>
+        </p:blipFill>
+        <p:spPr>
+          <a:xfrm>
+            <a:off x="6458220" y="1787238"/>
+            <a:ext cx="5435916" cy="4076937"/>
+          </a:xfrm>
+          <a:prstGeom prst="rect">
+            <a:avLst/>
+          </a:prstGeom>
+        </p:spPr>
+      </p:pic>
+      <p:sp>
+        <p:nvSpPr>
+          <p:cNvPr id="6" name="TextBox 5">
+            <a:extLst>
+              <a:ext uri="{FF2B5EF4-FFF2-40B4-BE49-F238E27FC236}">
+                <a16:creationId xmlns:a16="http://schemas.microsoft.com/office/drawing/2014/main" id="{F08596F9-A59C-5712-CD0D-EEA11DB21671}"/>
+              </a:ext>
+            </a:extLst>
+          </p:cNvPr>
+          <p:cNvSpPr txBox="1"/>
+          <p:nvPr/>
+        </p:nvSpPr>
+        <p:spPr>
+          <a:xfrm>
+            <a:off x="845127" y="1246909"/>
+            <a:ext cx="375424" cy="369332"/>
+          </a:xfrm>
+          <a:prstGeom prst="rect">
+            <a:avLst/>
+          </a:prstGeom>
+          <a:noFill/>
+        </p:spPr>
+        <p:txBody>
+          <a:bodyPr wrap="none" rtlCol="0">
+            <a:spAutoFit/>
+          </a:bodyPr>
+          <a:lstStyle/>
+          <a:p>
+            <a:r>
+              <a:rPr lang="en-CA" dirty="0"/>
+              <a:t>a)</a:t>
+            </a:r>
+          </a:p>
+        </p:txBody>
+      </p:sp>
+      <p:sp>
+        <p:nvSpPr>
+          <p:cNvPr id="7" name="TextBox 6">
+            <a:extLst>
+              <a:ext uri="{FF2B5EF4-FFF2-40B4-BE49-F238E27FC236}">
+                <a16:creationId xmlns:a16="http://schemas.microsoft.com/office/drawing/2014/main" id="{6E9D9B07-A144-D7EF-B5EC-7AFD64B8FAA4}"/>
+              </a:ext>
+            </a:extLst>
+          </p:cNvPr>
+          <p:cNvSpPr txBox="1"/>
+          <p:nvPr/>
+        </p:nvSpPr>
+        <p:spPr>
+          <a:xfrm>
+            <a:off x="6781800" y="1246909"/>
+            <a:ext cx="381836" cy="369332"/>
+          </a:xfrm>
+          <a:prstGeom prst="rect">
+            <a:avLst/>
+          </a:prstGeom>
+          <a:noFill/>
+        </p:spPr>
+        <p:txBody>
+          <a:bodyPr wrap="none" rtlCol="0">
+            <a:spAutoFit/>
+          </a:bodyPr>
+          <a:lstStyle/>
+          <a:p>
+            <a:r>
+              <a:rPr lang="en-CA" dirty="0"/>
+              <a:t>b)</a:t>
+            </a:r>
+          </a:p>
+        </p:txBody>
+      </p:sp>
+    </p:spTree>
+    <p:extLst>
+      <p:ext uri="{BB962C8B-B14F-4D97-AF65-F5344CB8AC3E}">
+        <p14:creationId xmlns:p14="http://schemas.microsoft.com/office/powerpoint/2010/main" val="143394622"/>
       </p:ext>
     </p:extLst>
   </p:cSld>
